--- a/Data/PPT/04 Availability.pptx
+++ b/Data/PPT/04 Availability.pptx
@@ -25728,7 +25728,7 @@
     <p:bg>
       <p:bgPr>
         <a:solidFill>
-          <a:srgbClr val="FFFDF7"/>
+          <a:schemeClr val="bg1"/>
         </a:solidFill>
         <a:effectLst/>
       </p:bgPr>
@@ -26986,15 +26986,6 @@
 </file>
 
 <file path=customXml/item2.xml><?xml version="1.0" encoding="utf-8"?>
-<?mso-contentType ?>
-<FormTemplates xmlns="http://schemas.microsoft.com/sharepoint/v3/contenttype/forms">
-  <Display>DocumentLibraryForm</Display>
-  <Edit>DocumentLibraryForm</Edit>
-  <New>DocumentLibraryForm</New>
-</FormTemplates>
-</file>
-
-<file path=customXml/item3.xml><?xml version="1.0" encoding="utf-8"?>
 <ct:contentTypeSchema xmlns:ct="http://schemas.microsoft.com/office/2006/metadata/contentType" xmlns:ma="http://schemas.microsoft.com/office/2006/metadata/properties/metaAttributes" ct:_="" ma:_="" ma:contentTypeName="Document" ma:contentTypeID="0x01010079F111ED35F8CC479449609E8A0923A6" ma:contentTypeVersion="24" ma:contentTypeDescription="Create a new document." ma:contentTypeScope="" ma:versionID="2d714a3296df14eba7a100bb665443ca">
   <xsd:schema xmlns:xsd="http://www.w3.org/2001/XMLSchema" xmlns:xs="http://www.w3.org/2001/XMLSchema" xmlns:p="http://schemas.microsoft.com/office/2006/metadata/properties" xmlns:ns1="http://schemas.microsoft.com/sharepoint/v3" xmlns:ns2="71af3243-3dd4-4a8d-8c0d-dd76da1f02a5" xmlns:ns3="16c05727-aa75-4e4a-9b5f-8a80a1165891" xmlns:ns4="230e9df3-be65-4c73-a93b-d1236ebd677e" targetNamespace="http://schemas.microsoft.com/office/2006/metadata/properties" ma:root="true" ma:fieldsID="49549bf45bfbbfb6cffed527380e77e1" ns1:_="" ns2:_="" ns3:_="" ns4:_="">
     <xsd:import namespace="http://schemas.microsoft.com/sharepoint/v3"/>
@@ -27282,6 +27273,15 @@
 </ct:contentTypeSchema>
 </file>
 
+<file path=customXml/item3.xml><?xml version="1.0" encoding="utf-8"?>
+<?mso-contentType ?>
+<FormTemplates xmlns="http://schemas.microsoft.com/sharepoint/v3/contenttype/forms">
+  <Display>DocumentLibraryForm</Display>
+  <Edit>DocumentLibraryForm</Edit>
+  <New>DocumentLibraryForm</New>
+</FormTemplates>
+</file>
+
 <file path=customXml/itemProps1.xml><?xml version="1.0" encoding="utf-8"?>
 <ds:datastoreItem xmlns:ds="http://schemas.openxmlformats.org/officeDocument/2006/customXml" ds:itemID="{B2C81503-9DEF-42F3-A99B-D5E0223E195B}">
   <ds:schemaRefs>
@@ -27295,14 +27295,6 @@
 </file>
 
 <file path=customXml/itemProps2.xml><?xml version="1.0" encoding="utf-8"?>
-<ds:datastoreItem xmlns:ds="http://schemas.openxmlformats.org/officeDocument/2006/customXml" ds:itemID="{6F156100-9533-4411-B0C0-FA18F914F7B6}">
-  <ds:schemaRefs>
-    <ds:schemaRef ds:uri="http://schemas.microsoft.com/sharepoint/v3/contenttype/forms"/>
-  </ds:schemaRefs>
-</ds:datastoreItem>
-</file>
-
-<file path=customXml/itemProps3.xml><?xml version="1.0" encoding="utf-8"?>
 <ds:datastoreItem xmlns:ds="http://schemas.openxmlformats.org/officeDocument/2006/customXml" ds:itemID="{76A4D1D3-B327-4D60-927D-26045FF4AF3C}">
   <ds:schemaRefs>
     <ds:schemaRef ds:uri="http://schemas.microsoft.com/office/2006/metadata/contentType"/>
@@ -27323,6 +27315,14 @@
 </ds:datastoreItem>
 </file>
 
+<file path=customXml/itemProps3.xml><?xml version="1.0" encoding="utf-8"?>
+<ds:datastoreItem xmlns:ds="http://schemas.openxmlformats.org/officeDocument/2006/customXml" ds:itemID="{6F156100-9533-4411-B0C0-FA18F914F7B6}">
+  <ds:schemaRefs>
+    <ds:schemaRef ds:uri="http://schemas.microsoft.com/sharepoint/v3/contenttype/forms"/>
+  </ds:schemaRefs>
+</ds:datastoreItem>
+</file>
+
 <file path=docMetadata/LabelInfo.xml><?xml version="1.0" encoding="utf-8"?>
 <clbl:labelList xmlns:clbl="http://schemas.microsoft.com/office/2020/mipLabelMetadata"/>
 </file>